--- a/15_Ch02_Syntax.pptx
+++ b/15_Ch02_Syntax.pptx
@@ -3763,7 +3763,7 @@
           <a:p>
             <a:r>
               <a:rPr lang="en-US" altLang="zh-TW" sz="1600" b="1" i="1" dirty="0"/>
-              <a:t>https://www.youtube.com/watch?v=G3PvTWRIhZA&amp;list=PLQVvvaa0QuDeF3hP0wQoSxpkqgRcgxMqX&amp;index=1</a:t>
+              <a:t>ttps://www.youtube.com/watch?v=nSYFfWijl8U&amp;index=2&amp;list=PLQVvvaa0QuDeF3hP0wQoSxpkqgRcgxMqX</a:t>
             </a:r>
           </a:p>
         </p:txBody>
@@ -4081,7 +4081,7 @@
           <a:p>
             <a:r>
               <a:rPr lang="en-US" altLang="zh-TW" sz="1600" b="1" i="1" dirty="0"/>
-              <a:t>https://www.youtube.com/watch?v=G3PvTWRIhZA&amp;list=PLQVvvaa0QuDeF3hP0wQoSxpkqgRcgxMqX&amp;index=1</a:t>
+              <a:t>ttps://www.youtube.com/watch?v=nSYFfWijl8U&amp;index=2&amp;list=PLQVvvaa0QuDeF3hP0wQoSxpkqgRcgxMqX</a:t>
             </a:r>
           </a:p>
         </p:txBody>
@@ -4452,7 +4452,7 @@
           <a:p>
             <a:r>
               <a:rPr lang="en-US" altLang="zh-TW" sz="1600" b="1" i="1" dirty="0"/>
-              <a:t>https://www.youtube.com/watch?v=G3PvTWRIhZA&amp;list=PLQVvvaa0QuDeF3hP0wQoSxpkqgRcgxMqX&amp;index=1</a:t>
+              <a:t>ttps://www.youtube.com/watch?v=nSYFfWijl8U&amp;index=2&amp;list=PLQVvvaa0QuDeF3hP0wQoSxpkqgRcgxMqX</a:t>
             </a:r>
           </a:p>
         </p:txBody>
@@ -4772,7 +4772,7 @@
           <a:p>
             <a:r>
               <a:rPr lang="en-US" altLang="zh-TW" sz="1600" b="1" i="1" dirty="0"/>
-              <a:t>https://www.youtube.com/watch?v=G3PvTWRIhZA&amp;list=PLQVvvaa0QuDeF3hP0wQoSxpkqgRcgxMqX&amp;index=1</a:t>
+              <a:t>ttps://www.youtube.com/watch?v=nSYFfWijl8U&amp;index=2&amp;list=PLQVvvaa0QuDeF3hP0wQoSxpkqgRcgxMqX</a:t>
             </a:r>
           </a:p>
         </p:txBody>
